--- a/neph_endoderm/multi/heatmap.pptx
+++ b/neph_endoderm/multi/heatmap.pptx
@@ -289,7 +289,7 @@
             <a:fld id="{1D8BD707-D9CF-40AE-B4C6-C98DA3205C09}" type="datetimeFigureOut">
               <a:rPr lang="en-US" smtClean="0"/>
               <a:pPr/>
-              <a:t>5/18/2015</a:t>
+              <a:t>6/11/2015</a:t>
             </a:fld>
             <a:endParaRPr lang="en-US"/>
           </a:p>
@@ -456,7 +456,7 @@
             <a:fld id="{1D8BD707-D9CF-40AE-B4C6-C98DA3205C09}" type="datetimeFigureOut">
               <a:rPr lang="en-US" smtClean="0"/>
               <a:pPr/>
-              <a:t>5/18/2015</a:t>
+              <a:t>6/11/2015</a:t>
             </a:fld>
             <a:endParaRPr lang="en-US"/>
           </a:p>
@@ -633,7 +633,7 @@
             <a:fld id="{1D8BD707-D9CF-40AE-B4C6-C98DA3205C09}" type="datetimeFigureOut">
               <a:rPr lang="en-US" smtClean="0"/>
               <a:pPr/>
-              <a:t>5/18/2015</a:t>
+              <a:t>6/11/2015</a:t>
             </a:fld>
             <a:endParaRPr lang="en-US"/>
           </a:p>
@@ -800,7 +800,7 @@
             <a:fld id="{1D8BD707-D9CF-40AE-B4C6-C98DA3205C09}" type="datetimeFigureOut">
               <a:rPr lang="en-US" smtClean="0"/>
               <a:pPr/>
-              <a:t>5/18/2015</a:t>
+              <a:t>6/11/2015</a:t>
             </a:fld>
             <a:endParaRPr lang="en-US"/>
           </a:p>
@@ -1043,7 +1043,7 @@
             <a:fld id="{1D8BD707-D9CF-40AE-B4C6-C98DA3205C09}" type="datetimeFigureOut">
               <a:rPr lang="en-US" smtClean="0"/>
               <a:pPr/>
-              <a:t>5/18/2015</a:t>
+              <a:t>6/11/2015</a:t>
             </a:fld>
             <a:endParaRPr lang="en-US"/>
           </a:p>
@@ -1328,7 +1328,7 @@
             <a:fld id="{1D8BD707-D9CF-40AE-B4C6-C98DA3205C09}" type="datetimeFigureOut">
               <a:rPr lang="en-US" smtClean="0"/>
               <a:pPr/>
-              <a:t>5/18/2015</a:t>
+              <a:t>6/11/2015</a:t>
             </a:fld>
             <a:endParaRPr lang="en-US"/>
           </a:p>
@@ -1747,7 +1747,7 @@
             <a:fld id="{1D8BD707-D9CF-40AE-B4C6-C98DA3205C09}" type="datetimeFigureOut">
               <a:rPr lang="en-US" smtClean="0"/>
               <a:pPr/>
-              <a:t>5/18/2015</a:t>
+              <a:t>6/11/2015</a:t>
             </a:fld>
             <a:endParaRPr lang="en-US"/>
           </a:p>
@@ -1862,7 +1862,7 @@
             <a:fld id="{1D8BD707-D9CF-40AE-B4C6-C98DA3205C09}" type="datetimeFigureOut">
               <a:rPr lang="en-US" smtClean="0"/>
               <a:pPr/>
-              <a:t>5/18/2015</a:t>
+              <a:t>6/11/2015</a:t>
             </a:fld>
             <a:endParaRPr lang="en-US"/>
           </a:p>
@@ -1954,7 +1954,7 @@
             <a:fld id="{1D8BD707-D9CF-40AE-B4C6-C98DA3205C09}" type="datetimeFigureOut">
               <a:rPr lang="en-US" smtClean="0"/>
               <a:pPr/>
-              <a:t>5/18/2015</a:t>
+              <a:t>6/11/2015</a:t>
             </a:fld>
             <a:endParaRPr lang="en-US"/>
           </a:p>
@@ -2228,7 +2228,7 @@
             <a:fld id="{1D8BD707-D9CF-40AE-B4C6-C98DA3205C09}" type="datetimeFigureOut">
               <a:rPr lang="en-US" smtClean="0"/>
               <a:pPr/>
-              <a:t>5/18/2015</a:t>
+              <a:t>6/11/2015</a:t>
             </a:fld>
             <a:endParaRPr lang="en-US"/>
           </a:p>
@@ -2478,7 +2478,7 @@
             <a:fld id="{1D8BD707-D9CF-40AE-B4C6-C98DA3205C09}" type="datetimeFigureOut">
               <a:rPr lang="en-US" smtClean="0"/>
               <a:pPr/>
-              <a:t>5/18/2015</a:t>
+              <a:t>6/11/2015</a:t>
             </a:fld>
             <a:endParaRPr lang="en-US"/>
           </a:p>
@@ -2688,7 +2688,7 @@
             <a:fld id="{1D8BD707-D9CF-40AE-B4C6-C98DA3205C09}" type="datetimeFigureOut">
               <a:rPr lang="en-US" smtClean="0"/>
               <a:pPr/>
-              <a:t>5/18/2015</a:t>
+              <a:t>6/11/2015</a:t>
             </a:fld>
             <a:endParaRPr lang="en-US"/>
           </a:p>
@@ -3061,7 +3061,7 @@
       </p:grpSpPr>
       <p:pic>
         <p:nvPicPr>
-          <p:cNvPr id="1026" name="Picture 2" descr="D:\Workspace\ENCODE_2.0\neph_endoderm\multi\heatmap.png"/>
+          <p:cNvPr id="2" name="Picture 2" descr="D:\Workspace\ENCODE_2.0\neph_endoderm\multi\heatmap.png"/>
           <p:cNvPicPr>
             <a:picLocks noChangeAspect="1" noChangeArrowheads="1"/>
           </p:cNvPicPr>
@@ -3082,8 +3082,8 @@
         </p:blipFill>
         <p:spPr bwMode="auto">
           <a:xfrm>
-            <a:off x="133149" y="0"/>
-            <a:ext cx="9001225" cy="6750625"/>
+            <a:off x="171650" y="7910"/>
+            <a:ext cx="8981975" cy="6736189"/>
           </a:xfrm>
           <a:prstGeom prst="rect">
             <a:avLst/>
@@ -3108,7 +3108,7 @@
         </p:nvCxnSpPr>
         <p:spPr>
           <a:xfrm>
-            <a:off x="581525" y="6353475"/>
+            <a:off x="619625" y="6343950"/>
             <a:ext cx="0" cy="442906"/>
           </a:xfrm>
           <a:prstGeom prst="line">
@@ -3143,7 +3143,7 @@
         </p:nvCxnSpPr>
         <p:spPr>
           <a:xfrm>
-            <a:off x="2951750" y="6353475"/>
+            <a:off x="2980425" y="6343950"/>
             <a:ext cx="0" cy="442906"/>
           </a:xfrm>
           <a:prstGeom prst="line">
@@ -3178,7 +3178,7 @@
         </p:nvCxnSpPr>
         <p:spPr>
           <a:xfrm>
-            <a:off x="5324375" y="6353475"/>
+            <a:off x="5343525" y="6343950"/>
             <a:ext cx="0" cy="443256"/>
           </a:xfrm>
           <a:prstGeom prst="line">
@@ -3213,7 +3213,7 @@
         </p:nvCxnSpPr>
         <p:spPr>
           <a:xfrm>
-            <a:off x="7705025" y="6353475"/>
+            <a:off x="7724375" y="6343950"/>
             <a:ext cx="0" cy="447668"/>
           </a:xfrm>
           <a:prstGeom prst="line">
@@ -3248,7 +3248,7 @@
         </p:nvSpPr>
         <p:spPr>
           <a:xfrm>
-            <a:off x="1629075" y="6559948"/>
+            <a:off x="1609825" y="6559948"/>
             <a:ext cx="296876" cy="369332"/>
           </a:xfrm>
           <a:prstGeom prst="rect">
@@ -3338,7 +3338,7 @@
         </p:nvCxnSpPr>
         <p:spPr>
           <a:xfrm flipH="1">
-            <a:off x="142475" y="6353575"/>
+            <a:off x="171050" y="6344150"/>
             <a:ext cx="438150" cy="0"/>
           </a:xfrm>
           <a:prstGeom prst="line">
@@ -3373,7 +3373,7 @@
         </p:nvCxnSpPr>
         <p:spPr>
           <a:xfrm flipH="1">
-            <a:off x="142475" y="4304604"/>
+            <a:off x="171050" y="4419004"/>
             <a:ext cx="438150" cy="596"/>
           </a:xfrm>
           <a:prstGeom prst="line">
@@ -3408,7 +3408,7 @@
         </p:nvCxnSpPr>
         <p:spPr>
           <a:xfrm flipH="1">
-            <a:off x="142477" y="2257125"/>
+            <a:off x="171052" y="2514600"/>
             <a:ext cx="438148" cy="0"/>
           </a:xfrm>
           <a:prstGeom prst="line">
@@ -3443,7 +3443,7 @@
         </p:nvCxnSpPr>
         <p:spPr>
           <a:xfrm flipH="1">
-            <a:off x="132850" y="195033"/>
+            <a:off x="169966" y="592790"/>
             <a:ext cx="438150" cy="0"/>
           </a:xfrm>
           <a:prstGeom prst="line">
@@ -3478,7 +3478,7 @@
         </p:nvSpPr>
         <p:spPr>
           <a:xfrm>
-            <a:off x="199725" y="-56950"/>
+            <a:off x="248264" y="304800"/>
             <a:ext cx="609700" cy="307777"/>
           </a:xfrm>
           <a:prstGeom prst="rect">
@@ -3541,7 +3541,7 @@
         </p:nvSpPr>
         <p:spPr>
           <a:xfrm>
-            <a:off x="-57750" y="5066600"/>
+            <a:off x="-48125" y="5143500"/>
             <a:ext cx="296876" cy="369332"/>
           </a:xfrm>
           <a:prstGeom prst="rect">
@@ -3571,7 +3571,7 @@
         </p:nvSpPr>
         <p:spPr>
           <a:xfrm>
-            <a:off x="-54357" y="3027750"/>
+            <a:off x="-44732" y="3221593"/>
             <a:ext cx="306494" cy="369332"/>
           </a:xfrm>
           <a:prstGeom prst="rect">
@@ -3601,7 +3601,7 @@
         </p:nvSpPr>
         <p:spPr>
           <a:xfrm>
-            <a:off x="-51244" y="980975"/>
+            <a:off x="-41619" y="1307068"/>
             <a:ext cx="340158" cy="369332"/>
           </a:xfrm>
           <a:prstGeom prst="rect">
